--- a/sensors/Prezentacja1.pptx
+++ b/sensors/Prezentacja1.pptx
@@ -8,6 +8,7 @@
     <p:sldId id="256" r:id="rId2"/>
     <p:sldId id="257" r:id="rId3"/>
     <p:sldId id="258" r:id="rId4"/>
+    <p:sldId id="259" r:id="rId5"/>
   </p:sldIdLst>
   <p:sldSz cx="12192000" cy="6858000"/>
   <p:notesSz cx="6858000" cy="9144000"/>
@@ -3792,6 +3793,250 @@
 </p:sld>
 </file>
 
+<file path=ppt/slides/slide4.xml><?xml version="1.0" encoding="utf-8"?>
+<p:sld xmlns:a="http://schemas.openxmlformats.org/drawingml/2006/main" xmlns:r="http://schemas.openxmlformats.org/officeDocument/2006/relationships" xmlns:p="http://schemas.openxmlformats.org/presentationml/2006/main">
+  <p:cSld>
+    <p:spTree>
+      <p:nvGrpSpPr>
+        <p:cNvPr id="1" name=""/>
+        <p:cNvGrpSpPr/>
+        <p:nvPr/>
+      </p:nvGrpSpPr>
+      <p:grpSpPr>
+        <a:xfrm>
+          <a:off x="0" y="0"/>
+          <a:ext cx="0" cy="0"/>
+          <a:chOff x="0" y="0"/>
+          <a:chExt cx="0" cy="0"/>
+        </a:xfrm>
+      </p:grpSpPr>
+      <p:grpSp>
+        <p:nvGrpSpPr>
+          <p:cNvPr id="10" name="Grupa 9"/>
+          <p:cNvGrpSpPr/>
+          <p:nvPr/>
+        </p:nvGrpSpPr>
+        <p:grpSpPr>
+          <a:xfrm>
+            <a:off x="-92393" y="894668"/>
+            <a:ext cx="12282751" cy="5067981"/>
+            <a:chOff x="-92393" y="894668"/>
+            <a:chExt cx="12282751" cy="5067981"/>
+          </a:xfrm>
+        </p:grpSpPr>
+        <p:pic>
+          <p:nvPicPr>
+            <p:cNvPr id="5" name="Obraz 4"/>
+            <p:cNvPicPr>
+              <a:picLocks noChangeAspect="1"/>
+            </p:cNvPicPr>
+            <p:nvPr/>
+          </p:nvPicPr>
+          <p:blipFill>
+            <a:blip r:embed="rId2">
+              <a:extLst>
+                <a:ext uri="{28A0092B-C50C-407E-A947-70E740481C1C}">
+                  <a14:useLocalDpi xmlns:a14="http://schemas.microsoft.com/office/drawing/2010/main" val="0"/>
+                </a:ext>
+              </a:extLst>
+            </a:blip>
+            <a:stretch>
+              <a:fillRect/>
+            </a:stretch>
+          </p:blipFill>
+          <p:spPr>
+            <a:xfrm>
+              <a:off x="0" y="894668"/>
+              <a:ext cx="12190358" cy="5067981"/>
+            </a:xfrm>
+            <a:prstGeom prst="rect">
+              <a:avLst/>
+            </a:prstGeom>
+          </p:spPr>
+        </p:pic>
+        <p:sp>
+          <p:nvSpPr>
+            <p:cNvPr id="8" name="Prostokąt 7"/>
+            <p:cNvSpPr/>
+            <p:nvPr/>
+          </p:nvSpPr>
+          <p:spPr>
+            <a:xfrm>
+              <a:off x="5462585" y="1255615"/>
+              <a:ext cx="1728789" cy="251018"/>
+            </a:xfrm>
+            <a:prstGeom prst="rect">
+              <a:avLst/>
+            </a:prstGeom>
+            <a:solidFill>
+              <a:schemeClr val="bg1"/>
+            </a:solidFill>
+            <a:ln>
+              <a:noFill/>
+            </a:ln>
+          </p:spPr>
+          <p:style>
+            <a:lnRef idx="2">
+              <a:schemeClr val="accent1">
+                <a:shade val="50000"/>
+              </a:schemeClr>
+            </a:lnRef>
+            <a:fillRef idx="1">
+              <a:schemeClr val="accent1"/>
+            </a:fillRef>
+            <a:effectRef idx="0">
+              <a:schemeClr val="accent1"/>
+            </a:effectRef>
+            <a:fontRef idx="minor">
+              <a:schemeClr val="lt1"/>
+            </a:fontRef>
+          </p:style>
+          <p:txBody>
+            <a:bodyPr rtlCol="0" anchor="ctr"/>
+            <a:lstStyle/>
+            <a:p>
+              <a:pPr algn="ctr"/>
+              <a:endParaRPr lang="pl-PL"/>
+            </a:p>
+          </p:txBody>
+        </p:sp>
+        <p:sp>
+          <p:nvSpPr>
+            <p:cNvPr id="7" name="pole tekstowe 6"/>
+            <p:cNvSpPr txBox="1"/>
+            <p:nvPr/>
+          </p:nvSpPr>
+          <p:spPr>
+            <a:xfrm>
+              <a:off x="5462585" y="1106523"/>
+              <a:ext cx="1838325" cy="400110"/>
+            </a:xfrm>
+            <a:prstGeom prst="rect">
+              <a:avLst/>
+            </a:prstGeom>
+            <a:noFill/>
+          </p:spPr>
+          <p:txBody>
+            <a:bodyPr vert="horz" wrap="square" rtlCol="0">
+              <a:spAutoFit/>
+            </a:bodyPr>
+            <a:lstStyle/>
+            <a:p>
+              <a:pPr algn="ctr"/>
+              <a:r>
+                <a:rPr lang="en-US" sz="2000" dirty="0"/>
+                <a:t>Time [</a:t>
+              </a:r>
+              <a:r>
+                <a:rPr lang="en-US" sz="2000" dirty="0" err="1"/>
+                <a:t>min:sec</a:t>
+              </a:r>
+              <a:r>
+                <a:rPr lang="en-US" sz="2000" dirty="0"/>
+                <a:t>]</a:t>
+              </a:r>
+              <a:endParaRPr lang="pl-PL" sz="2000" dirty="0"/>
+            </a:p>
+          </p:txBody>
+        </p:sp>
+        <p:sp>
+          <p:nvSpPr>
+            <p:cNvPr id="9" name="Prostokąt 8"/>
+            <p:cNvSpPr/>
+            <p:nvPr/>
+          </p:nvSpPr>
+          <p:spPr>
+            <a:xfrm>
+              <a:off x="66675" y="2218983"/>
+              <a:ext cx="333375" cy="2419350"/>
+            </a:xfrm>
+            <a:prstGeom prst="rect">
+              <a:avLst/>
+            </a:prstGeom>
+            <a:solidFill>
+              <a:schemeClr val="bg1"/>
+            </a:solidFill>
+            <a:ln>
+              <a:noFill/>
+            </a:ln>
+          </p:spPr>
+          <p:style>
+            <a:lnRef idx="2">
+              <a:schemeClr val="accent1">
+                <a:shade val="50000"/>
+              </a:schemeClr>
+            </a:lnRef>
+            <a:fillRef idx="1">
+              <a:schemeClr val="accent1"/>
+            </a:fillRef>
+            <a:effectRef idx="0">
+              <a:schemeClr val="accent1"/>
+            </a:effectRef>
+            <a:fontRef idx="minor">
+              <a:schemeClr val="lt1"/>
+            </a:fontRef>
+          </p:style>
+          <p:txBody>
+            <a:bodyPr rtlCol="0" anchor="ctr"/>
+            <a:lstStyle/>
+            <a:p>
+              <a:pPr algn="ctr"/>
+              <a:endParaRPr lang="pl-PL"/>
+            </a:p>
+          </p:txBody>
+        </p:sp>
+        <p:sp>
+          <p:nvSpPr>
+            <p:cNvPr id="6" name="pole tekstowe 5"/>
+            <p:cNvSpPr txBox="1"/>
+            <p:nvPr/>
+          </p:nvSpPr>
+          <p:spPr>
+            <a:xfrm>
+              <a:off x="-92393" y="2218983"/>
+              <a:ext cx="492443" cy="2162175"/>
+            </a:xfrm>
+            <a:prstGeom prst="rect">
+              <a:avLst/>
+            </a:prstGeom>
+            <a:noFill/>
+          </p:spPr>
+          <p:txBody>
+            <a:bodyPr vert="vert270" wrap="square" rtlCol="0">
+              <a:spAutoFit/>
+            </a:bodyPr>
+            <a:lstStyle/>
+            <a:p>
+              <a:pPr algn="ctr"/>
+              <a:r>
+                <a:rPr lang="en-US" sz="2000" dirty="0"/>
+                <a:t>Angle [</a:t>
+              </a:r>
+              <a:r>
+                <a:rPr lang="en-US" sz="2000" dirty="0">
+                  <a:latin typeface="Times New Roman" panose="02020603050405020304" pitchFamily="18" charset="0"/>
+                  <a:cs typeface="Times New Roman" panose="02020603050405020304" pitchFamily="18" charset="0"/>
+                </a:rPr>
+                <a:t>°]</a:t>
+              </a:r>
+              <a:endParaRPr lang="pl-PL" sz="2000" dirty="0"/>
+            </a:p>
+          </p:txBody>
+        </p:sp>
+      </p:grpSp>
+    </p:spTree>
+    <p:extLst>
+      <p:ext uri="{BB962C8B-B14F-4D97-AF65-F5344CB8AC3E}">
+        <p14:creationId xmlns:p14="http://schemas.microsoft.com/office/powerpoint/2010/main" val="204373127"/>
+      </p:ext>
+    </p:extLst>
+  </p:cSld>
+  <p:clrMapOvr>
+    <a:masterClrMapping/>
+  </p:clrMapOvr>
+</p:sld>
+</file>
+
 <file path=ppt/theme/theme1.xml><?xml version="1.0" encoding="utf-8"?>
 <a:theme xmlns:a="http://schemas.openxmlformats.org/drawingml/2006/main" name="Motyw pakietu Office">
   <a:themeElements>

--- a/sensors/Prezentacja1.pptx
+++ b/sensors/Prezentacja1.pptx
@@ -9,6 +9,8 @@
     <p:sldId id="257" r:id="rId3"/>
     <p:sldId id="258" r:id="rId4"/>
     <p:sldId id="259" r:id="rId5"/>
+    <p:sldId id="260" r:id="rId6"/>
+    <p:sldId id="261" r:id="rId7"/>
   </p:sldIdLst>
   <p:sldSz cx="12192000" cy="6858000"/>
   <p:notesSz cx="6858000" cy="9144000"/>
@@ -4037,6 +4039,434 @@
 </p:sld>
 </file>
 
+<file path=ppt/slides/slide5.xml><?xml version="1.0" encoding="utf-8"?>
+<p:sld xmlns:a="http://schemas.openxmlformats.org/drawingml/2006/main" xmlns:r="http://schemas.openxmlformats.org/officeDocument/2006/relationships" xmlns:p="http://schemas.openxmlformats.org/presentationml/2006/main">
+  <p:cSld>
+    <p:spTree>
+      <p:nvGrpSpPr>
+        <p:cNvPr id="1" name=""/>
+        <p:cNvGrpSpPr/>
+        <p:nvPr/>
+      </p:nvGrpSpPr>
+      <p:grpSpPr>
+        <a:xfrm>
+          <a:off x="0" y="0"/>
+          <a:ext cx="0" cy="0"/>
+          <a:chOff x="0" y="0"/>
+          <a:chExt cx="0" cy="0"/>
+        </a:xfrm>
+      </p:grpSpPr>
+      <p:grpSp>
+        <p:nvGrpSpPr>
+          <p:cNvPr id="7" name="Grupa 6"/>
+          <p:cNvGrpSpPr/>
+          <p:nvPr/>
+        </p:nvGrpSpPr>
+        <p:grpSpPr>
+          <a:xfrm>
+            <a:off x="1376516" y="0"/>
+            <a:ext cx="9438968" cy="6858000"/>
+            <a:chOff x="1376516" y="0"/>
+            <a:chExt cx="9438968" cy="6858000"/>
+          </a:xfrm>
+        </p:grpSpPr>
+        <p:pic>
+          <p:nvPicPr>
+            <p:cNvPr id="5" name="Obraz 4"/>
+            <p:cNvPicPr>
+              <a:picLocks noChangeAspect="1"/>
+            </p:cNvPicPr>
+            <p:nvPr/>
+          </p:nvPicPr>
+          <p:blipFill>
+            <a:blip r:embed="rId2">
+              <a:extLst>
+                <a:ext uri="{BEBA8EAE-BF5A-486C-A8C5-ECC9F3942E4B}">
+                  <a14:imgProps xmlns:a14="http://schemas.microsoft.com/office/drawing/2010/main">
+                    <a14:imgLayer r:embed="rId3">
+                      <a14:imgEffect>
+                        <a14:saturation sat="0"/>
+                      </a14:imgEffect>
+                    </a14:imgLayer>
+                  </a14:imgProps>
+                </a:ext>
+                <a:ext uri="{28A0092B-C50C-407E-A947-70E740481C1C}">
+                  <a14:useLocalDpi xmlns:a14="http://schemas.microsoft.com/office/drawing/2010/main" val="0"/>
+                </a:ext>
+              </a:extLst>
+            </a:blip>
+            <a:stretch>
+              <a:fillRect/>
+            </a:stretch>
+          </p:blipFill>
+          <p:spPr>
+            <a:xfrm>
+              <a:off x="1376516" y="0"/>
+              <a:ext cx="9438968" cy="6858000"/>
+            </a:xfrm>
+            <a:prstGeom prst="rect">
+              <a:avLst/>
+            </a:prstGeom>
+          </p:spPr>
+        </p:pic>
+        <p:sp>
+          <p:nvSpPr>
+            <p:cNvPr id="6" name="pole tekstowe 5"/>
+            <p:cNvSpPr txBox="1"/>
+            <p:nvPr/>
+          </p:nvSpPr>
+          <p:spPr>
+            <a:xfrm>
+              <a:off x="1552575" y="2332793"/>
+              <a:ext cx="3238500" cy="430887"/>
+            </a:xfrm>
+            <a:prstGeom prst="rect">
+              <a:avLst/>
+            </a:prstGeom>
+            <a:solidFill>
+              <a:schemeClr val="bg1"/>
+            </a:solidFill>
+          </p:spPr>
+          <p:txBody>
+            <a:bodyPr wrap="square" rtlCol="0">
+              <a:spAutoFit/>
+            </a:bodyPr>
+            <a:lstStyle/>
+            <a:p>
+              <a:r>
+                <a:rPr lang="en-US" sz="2200" dirty="0"/>
+                <a:t>Synchronization routine</a:t>
+              </a:r>
+              <a:endParaRPr lang="pl-PL" sz="2200" dirty="0"/>
+            </a:p>
+          </p:txBody>
+        </p:sp>
+      </p:grpSp>
+    </p:spTree>
+    <p:extLst>
+      <p:ext uri="{BB962C8B-B14F-4D97-AF65-F5344CB8AC3E}">
+        <p14:creationId xmlns:p14="http://schemas.microsoft.com/office/powerpoint/2010/main" val="87618904"/>
+      </p:ext>
+    </p:extLst>
+  </p:cSld>
+  <p:clrMapOvr>
+    <a:masterClrMapping/>
+  </p:clrMapOvr>
+</p:sld>
+</file>
+
+<file path=ppt/slides/slide6.xml><?xml version="1.0" encoding="utf-8"?>
+<p:sld xmlns:a="http://schemas.openxmlformats.org/drawingml/2006/main" xmlns:r="http://schemas.openxmlformats.org/officeDocument/2006/relationships" xmlns:p="http://schemas.openxmlformats.org/presentationml/2006/main">
+  <p:cSld>
+    <p:spTree>
+      <p:nvGrpSpPr>
+        <p:cNvPr id="1" name=""/>
+        <p:cNvGrpSpPr/>
+        <p:nvPr/>
+      </p:nvGrpSpPr>
+      <p:grpSpPr>
+        <a:xfrm>
+          <a:off x="0" y="0"/>
+          <a:ext cx="0" cy="0"/>
+          <a:chOff x="0" y="0"/>
+          <a:chExt cx="0" cy="0"/>
+        </a:xfrm>
+      </p:grpSpPr>
+      <p:grpSp>
+        <p:nvGrpSpPr>
+          <p:cNvPr id="12" name="Grupa 11"/>
+          <p:cNvGrpSpPr/>
+          <p:nvPr/>
+        </p:nvGrpSpPr>
+        <p:grpSpPr>
+          <a:xfrm>
+            <a:off x="2279810" y="219075"/>
+            <a:ext cx="6054565" cy="6195505"/>
+            <a:chOff x="2279810" y="219075"/>
+            <a:chExt cx="6054565" cy="6195505"/>
+          </a:xfrm>
+        </p:grpSpPr>
+        <p:pic>
+          <p:nvPicPr>
+            <p:cNvPr id="5" name="Obraz 4"/>
+            <p:cNvPicPr>
+              <a:picLocks noChangeAspect="1"/>
+            </p:cNvPicPr>
+            <p:nvPr/>
+          </p:nvPicPr>
+          <p:blipFill>
+            <a:blip r:embed="rId2">
+              <a:extLst>
+                <a:ext uri="{BEBA8EAE-BF5A-486C-A8C5-ECC9F3942E4B}">
+                  <a14:imgProps xmlns:a14="http://schemas.microsoft.com/office/drawing/2010/main">
+                    <a14:imgLayer r:embed="rId3">
+                      <a14:imgEffect>
+                        <a14:saturation sat="0"/>
+                      </a14:imgEffect>
+                    </a14:imgLayer>
+                  </a14:imgProps>
+                </a:ext>
+                <a:ext uri="{28A0092B-C50C-407E-A947-70E740481C1C}">
+                  <a14:useLocalDpi xmlns:a14="http://schemas.microsoft.com/office/drawing/2010/main" val="0"/>
+                </a:ext>
+              </a:extLst>
+            </a:blip>
+            <a:stretch>
+              <a:fillRect/>
+            </a:stretch>
+          </p:blipFill>
+          <p:spPr>
+            <a:xfrm>
+              <a:off x="2279810" y="219075"/>
+              <a:ext cx="5454489" cy="6195505"/>
+            </a:xfrm>
+            <a:prstGeom prst="rect">
+              <a:avLst/>
+            </a:prstGeom>
+          </p:spPr>
+        </p:pic>
+        <p:sp>
+          <p:nvSpPr>
+            <p:cNvPr id="9" name="Prostokąt 8"/>
+            <p:cNvSpPr/>
+            <p:nvPr/>
+          </p:nvSpPr>
+          <p:spPr>
+            <a:xfrm>
+              <a:off x="4800600" y="1713714"/>
+              <a:ext cx="2247900" cy="229386"/>
+            </a:xfrm>
+            <a:prstGeom prst="rect">
+              <a:avLst/>
+            </a:prstGeom>
+            <a:solidFill>
+              <a:schemeClr val="bg1"/>
+            </a:solidFill>
+            <a:ln>
+              <a:noFill/>
+            </a:ln>
+          </p:spPr>
+          <p:style>
+            <a:lnRef idx="2">
+              <a:schemeClr val="accent1">
+                <a:shade val="50000"/>
+              </a:schemeClr>
+            </a:lnRef>
+            <a:fillRef idx="1">
+              <a:schemeClr val="accent1"/>
+            </a:fillRef>
+            <a:effectRef idx="0">
+              <a:schemeClr val="accent1"/>
+            </a:effectRef>
+            <a:fontRef idx="minor">
+              <a:schemeClr val="lt1"/>
+            </a:fontRef>
+          </p:style>
+          <p:txBody>
+            <a:bodyPr rtlCol="0" anchor="ctr"/>
+            <a:lstStyle/>
+            <a:p>
+              <a:pPr algn="ctr"/>
+              <a:endParaRPr lang="pl-PL"/>
+            </a:p>
+          </p:txBody>
+        </p:sp>
+        <p:sp>
+          <p:nvSpPr>
+            <p:cNvPr id="10" name="Prostokąt 9"/>
+            <p:cNvSpPr/>
+            <p:nvPr/>
+          </p:nvSpPr>
+          <p:spPr>
+            <a:xfrm>
+              <a:off x="6086475" y="2380011"/>
+              <a:ext cx="2247900" cy="229386"/>
+            </a:xfrm>
+            <a:prstGeom prst="rect">
+              <a:avLst/>
+            </a:prstGeom>
+            <a:solidFill>
+              <a:schemeClr val="bg1"/>
+            </a:solidFill>
+            <a:ln>
+              <a:noFill/>
+            </a:ln>
+          </p:spPr>
+          <p:style>
+            <a:lnRef idx="2">
+              <a:schemeClr val="accent1">
+                <a:shade val="50000"/>
+              </a:schemeClr>
+            </a:lnRef>
+            <a:fillRef idx="1">
+              <a:schemeClr val="accent1"/>
+            </a:fillRef>
+            <a:effectRef idx="0">
+              <a:schemeClr val="accent1"/>
+            </a:effectRef>
+            <a:fontRef idx="minor">
+              <a:schemeClr val="lt1"/>
+            </a:fontRef>
+          </p:style>
+          <p:txBody>
+            <a:bodyPr rtlCol="0" anchor="ctr"/>
+            <a:lstStyle/>
+            <a:p>
+              <a:pPr algn="ctr"/>
+              <a:endParaRPr lang="pl-PL"/>
+            </a:p>
+          </p:txBody>
+        </p:sp>
+        <p:sp>
+          <p:nvSpPr>
+            <p:cNvPr id="11" name="Prostokąt 10"/>
+            <p:cNvSpPr/>
+            <p:nvPr/>
+          </p:nvSpPr>
+          <p:spPr>
+            <a:xfrm>
+              <a:off x="5334000" y="3819525"/>
+              <a:ext cx="2238375" cy="284904"/>
+            </a:xfrm>
+            <a:prstGeom prst="rect">
+              <a:avLst/>
+            </a:prstGeom>
+            <a:solidFill>
+              <a:schemeClr val="bg1"/>
+            </a:solidFill>
+            <a:ln>
+              <a:noFill/>
+            </a:ln>
+          </p:spPr>
+          <p:style>
+            <a:lnRef idx="2">
+              <a:schemeClr val="accent1">
+                <a:shade val="50000"/>
+              </a:schemeClr>
+            </a:lnRef>
+            <a:fillRef idx="1">
+              <a:schemeClr val="accent1"/>
+            </a:fillRef>
+            <a:effectRef idx="0">
+              <a:schemeClr val="accent1"/>
+            </a:effectRef>
+            <a:fontRef idx="minor">
+              <a:schemeClr val="lt1"/>
+            </a:fontRef>
+          </p:style>
+          <p:txBody>
+            <a:bodyPr rtlCol="0" anchor="ctr"/>
+            <a:lstStyle/>
+            <a:p>
+              <a:pPr algn="ctr"/>
+              <a:endParaRPr lang="pl-PL"/>
+            </a:p>
+          </p:txBody>
+        </p:sp>
+        <p:sp>
+          <p:nvSpPr>
+            <p:cNvPr id="6" name="pole tekstowe 5"/>
+            <p:cNvSpPr txBox="1"/>
+            <p:nvPr/>
+          </p:nvSpPr>
+          <p:spPr>
+            <a:xfrm>
+              <a:off x="4733925" y="1647372"/>
+              <a:ext cx="1828800" cy="400110"/>
+            </a:xfrm>
+            <a:prstGeom prst="rect">
+              <a:avLst/>
+            </a:prstGeom>
+            <a:noFill/>
+          </p:spPr>
+          <p:txBody>
+            <a:bodyPr wrap="square" rtlCol="0">
+              <a:spAutoFit/>
+            </a:bodyPr>
+            <a:lstStyle/>
+            <a:p>
+              <a:r>
+                <a:rPr lang="en-US" sz="2000" dirty="0"/>
+                <a:t>Shoulder joint</a:t>
+              </a:r>
+              <a:endParaRPr lang="pl-PL" sz="2000" dirty="0"/>
+            </a:p>
+          </p:txBody>
+        </p:sp>
+        <p:sp>
+          <p:nvSpPr>
+            <p:cNvPr id="7" name="pole tekstowe 6"/>
+            <p:cNvSpPr txBox="1"/>
+            <p:nvPr/>
+          </p:nvSpPr>
+          <p:spPr>
+            <a:xfrm>
+              <a:off x="5991225" y="2276022"/>
+              <a:ext cx="1828800" cy="400110"/>
+            </a:xfrm>
+            <a:prstGeom prst="rect">
+              <a:avLst/>
+            </a:prstGeom>
+            <a:noFill/>
+          </p:spPr>
+          <p:txBody>
+            <a:bodyPr wrap="square" rtlCol="0">
+              <a:spAutoFit/>
+            </a:bodyPr>
+            <a:lstStyle/>
+            <a:p>
+              <a:r>
+                <a:rPr lang="en-US" sz="2000" dirty="0"/>
+                <a:t>Elbow joint</a:t>
+              </a:r>
+              <a:endParaRPr lang="pl-PL" sz="2000" dirty="0"/>
+            </a:p>
+          </p:txBody>
+        </p:sp>
+        <p:sp>
+          <p:nvSpPr>
+            <p:cNvPr id="8" name="pole tekstowe 7"/>
+            <p:cNvSpPr txBox="1"/>
+            <p:nvPr/>
+          </p:nvSpPr>
+          <p:spPr>
+            <a:xfrm>
+              <a:off x="5824537" y="3715143"/>
+              <a:ext cx="1828800" cy="400110"/>
+            </a:xfrm>
+            <a:prstGeom prst="rect">
+              <a:avLst/>
+            </a:prstGeom>
+            <a:noFill/>
+          </p:spPr>
+          <p:txBody>
+            <a:bodyPr wrap="square" rtlCol="0">
+              <a:spAutoFit/>
+            </a:bodyPr>
+            <a:lstStyle/>
+            <a:p>
+              <a:r>
+                <a:rPr lang="en-US" sz="2000" dirty="0"/>
+                <a:t>Wrist joint</a:t>
+              </a:r>
+              <a:endParaRPr lang="pl-PL" sz="2000" dirty="0"/>
+            </a:p>
+          </p:txBody>
+        </p:sp>
+      </p:grpSp>
+    </p:spTree>
+    <p:extLst>
+      <p:ext uri="{BB962C8B-B14F-4D97-AF65-F5344CB8AC3E}">
+        <p14:creationId xmlns:p14="http://schemas.microsoft.com/office/powerpoint/2010/main" val="916380374"/>
+      </p:ext>
+    </p:extLst>
+  </p:cSld>
+  <p:clrMapOvr>
+    <a:masterClrMapping/>
+  </p:clrMapOvr>
+</p:sld>
+</file>
+
 <file path=ppt/theme/theme1.xml><?xml version="1.0" encoding="utf-8"?>
 <a:theme xmlns:a="http://schemas.openxmlformats.org/drawingml/2006/main" name="Motyw pakietu Office">
   <a:themeElements>

--- a/sensors/Prezentacja1.pptx
+++ b/sensors/Prezentacja1.pptx
@@ -11,6 +11,7 @@
     <p:sldId id="259" r:id="rId5"/>
     <p:sldId id="260" r:id="rId6"/>
     <p:sldId id="261" r:id="rId7"/>
+    <p:sldId id="262" r:id="rId8"/>
   </p:sldIdLst>
   <p:sldSz cx="12192000" cy="6858000"/>
   <p:notesSz cx="6858000" cy="9144000"/>
@@ -109,7 +110,16 @@
       </a:defRPr>
     </a:lvl9pPr>
   </p:defaultTextStyle>
+  <p:extLst>
+    <p:ext uri="{EFAFB233-063F-42B5-8137-9DF3F51BA10A}">
+      <p15:sldGuideLst xmlns:p15="http://schemas.microsoft.com/office/powerpoint/2012/main"/>
+    </p:ext>
+  </p:extLst>
 </p:presentation>
+</file>
+
+<file path=ppt/revisionInfo.xml><?xml version="1.0" encoding="utf-8"?>
+<p1510:revInfo xmlns:a="http://schemas.openxmlformats.org/drawingml/2006/main" xmlns:r="http://schemas.openxmlformats.org/officeDocument/2006/relationships" xmlns:p1510="http://schemas.microsoft.com/office/powerpoint/2015/10/main"/>
 </file>
 
 <file path=ppt/slideLayouts/slideLayout1.xml><?xml version="1.0" encoding="utf-8"?>
@@ -241,7 +251,7 @@
           <a:p>
             <a:fld id="{4705617F-8F45-43AE-AA61-C6934EEE062E}" type="datetimeFigureOut">
               <a:rPr lang="pl-PL" smtClean="0"/>
-              <a:t>25.04.2017</a:t>
+              <a:t>02.09.2017</a:t>
             </a:fld>
             <a:endParaRPr lang="pl-PL"/>
           </a:p>
@@ -409,7 +419,7 @@
           <a:p>
             <a:fld id="{4705617F-8F45-43AE-AA61-C6934EEE062E}" type="datetimeFigureOut">
               <a:rPr lang="pl-PL" smtClean="0"/>
-              <a:t>25.04.2017</a:t>
+              <a:t>02.09.2017</a:t>
             </a:fld>
             <a:endParaRPr lang="pl-PL"/>
           </a:p>
@@ -587,7 +597,7 @@
           <a:p>
             <a:fld id="{4705617F-8F45-43AE-AA61-C6934EEE062E}" type="datetimeFigureOut">
               <a:rPr lang="pl-PL" smtClean="0"/>
-              <a:t>25.04.2017</a:t>
+              <a:t>02.09.2017</a:t>
             </a:fld>
             <a:endParaRPr lang="pl-PL"/>
           </a:p>
@@ -755,7 +765,7 @@
           <a:p>
             <a:fld id="{4705617F-8F45-43AE-AA61-C6934EEE062E}" type="datetimeFigureOut">
               <a:rPr lang="pl-PL" smtClean="0"/>
-              <a:t>25.04.2017</a:t>
+              <a:t>02.09.2017</a:t>
             </a:fld>
             <a:endParaRPr lang="pl-PL"/>
           </a:p>
@@ -1000,7 +1010,7 @@
           <a:p>
             <a:fld id="{4705617F-8F45-43AE-AA61-C6934EEE062E}" type="datetimeFigureOut">
               <a:rPr lang="pl-PL" smtClean="0"/>
-              <a:t>25.04.2017</a:t>
+              <a:t>02.09.2017</a:t>
             </a:fld>
             <a:endParaRPr lang="pl-PL"/>
           </a:p>
@@ -1229,7 +1239,7 @@
           <a:p>
             <a:fld id="{4705617F-8F45-43AE-AA61-C6934EEE062E}" type="datetimeFigureOut">
               <a:rPr lang="pl-PL" smtClean="0"/>
-              <a:t>25.04.2017</a:t>
+              <a:t>02.09.2017</a:t>
             </a:fld>
             <a:endParaRPr lang="pl-PL"/>
           </a:p>
@@ -1593,7 +1603,7 @@
           <a:p>
             <a:fld id="{4705617F-8F45-43AE-AA61-C6934EEE062E}" type="datetimeFigureOut">
               <a:rPr lang="pl-PL" smtClean="0"/>
-              <a:t>25.04.2017</a:t>
+              <a:t>02.09.2017</a:t>
             </a:fld>
             <a:endParaRPr lang="pl-PL"/>
           </a:p>
@@ -1710,7 +1720,7 @@
           <a:p>
             <a:fld id="{4705617F-8F45-43AE-AA61-C6934EEE062E}" type="datetimeFigureOut">
               <a:rPr lang="pl-PL" smtClean="0"/>
-              <a:t>25.04.2017</a:t>
+              <a:t>02.09.2017</a:t>
             </a:fld>
             <a:endParaRPr lang="pl-PL"/>
           </a:p>
@@ -1805,7 +1815,7 @@
           <a:p>
             <a:fld id="{4705617F-8F45-43AE-AA61-C6934EEE062E}" type="datetimeFigureOut">
               <a:rPr lang="pl-PL" smtClean="0"/>
-              <a:t>25.04.2017</a:t>
+              <a:t>02.09.2017</a:t>
             </a:fld>
             <a:endParaRPr lang="pl-PL"/>
           </a:p>
@@ -2080,7 +2090,7 @@
           <a:p>
             <a:fld id="{4705617F-8F45-43AE-AA61-C6934EEE062E}" type="datetimeFigureOut">
               <a:rPr lang="pl-PL" smtClean="0"/>
-              <a:t>25.04.2017</a:t>
+              <a:t>02.09.2017</a:t>
             </a:fld>
             <a:endParaRPr lang="pl-PL"/>
           </a:p>
@@ -2332,7 +2342,7 @@
           <a:p>
             <a:fld id="{4705617F-8F45-43AE-AA61-C6934EEE062E}" type="datetimeFigureOut">
               <a:rPr lang="pl-PL" smtClean="0"/>
-              <a:t>25.04.2017</a:t>
+              <a:t>02.09.2017</a:t>
             </a:fld>
             <a:endParaRPr lang="pl-PL"/>
           </a:p>
@@ -2543,7 +2553,7 @@
           <a:p>
             <a:fld id="{4705617F-8F45-43AE-AA61-C6934EEE062E}" type="datetimeFigureOut">
               <a:rPr lang="pl-PL" smtClean="0"/>
-              <a:t>25.04.2017</a:t>
+              <a:t>02.09.2017</a:t>
             </a:fld>
             <a:endParaRPr lang="pl-PL"/>
           </a:p>
@@ -4467,6 +4477,36 @@
 </p:sld>
 </file>
 
+<file path=ppt/slides/slide7.xml><?xml version="1.0" encoding="utf-8"?>
+<p:sld xmlns:a="http://schemas.openxmlformats.org/drawingml/2006/main" xmlns:r="http://schemas.openxmlformats.org/officeDocument/2006/relationships" xmlns:p="http://schemas.openxmlformats.org/presentationml/2006/main">
+  <p:cSld>
+    <p:spTree>
+      <p:nvGrpSpPr>
+        <p:cNvPr id="1" name=""/>
+        <p:cNvGrpSpPr/>
+        <p:nvPr/>
+      </p:nvGrpSpPr>
+      <p:grpSpPr>
+        <a:xfrm>
+          <a:off x="0" y="0"/>
+          <a:ext cx="0" cy="0"/>
+          <a:chOff x="0" y="0"/>
+          <a:chExt cx="0" cy="0"/>
+        </a:xfrm>
+      </p:grpSpPr>
+    </p:spTree>
+    <p:extLst>
+      <p:ext uri="{BB962C8B-B14F-4D97-AF65-F5344CB8AC3E}">
+        <p14:creationId xmlns:p14="http://schemas.microsoft.com/office/powerpoint/2010/main" val="519840914"/>
+      </p:ext>
+    </p:extLst>
+  </p:cSld>
+  <p:clrMapOvr>
+    <a:masterClrMapping/>
+  </p:clrMapOvr>
+</p:sld>
+</file>
+
 <file path=ppt/theme/theme1.xml><?xml version="1.0" encoding="utf-8"?>
 <a:theme xmlns:a="http://schemas.openxmlformats.org/drawingml/2006/main" name="Motyw pakietu Office">
   <a:themeElements>
